--- a/project.pptx
+++ b/project.pptx
@@ -6251,7 +6251,7 @@
           <a:p>
             <a:r>
               <a:rPr lang="en-US" dirty="0"/>
-              <a:t>Citation</a:t>
+              <a:t>References</a:t>
             </a:r>
           </a:p>
         </p:txBody>
@@ -6392,19 +6392,19 @@
           <a:lstStyle/>
           <a:p>
             <a:r>
-              <a:rPr lang="en-US" sz="2400" dirty="0"/>
+              <a:rPr lang="en-US" sz="2800" dirty="0"/>
               <a:t>My project idea is to use Convolutional Neural Networks to classify different cars including different brands, models, and years </a:t>
             </a:r>
           </a:p>
           <a:p>
             <a:r>
-              <a:rPr lang="en-US" sz="2400" dirty="0"/>
+              <a:rPr lang="en-US" sz="2800" dirty="0"/>
               <a:t>Want to do a project with image classification &amp; CNN</a:t>
             </a:r>
           </a:p>
           <a:p>
             <a:r>
-              <a:rPr lang="en-US" sz="2400" dirty="0"/>
+              <a:rPr lang="en-US" sz="2800" dirty="0"/>
               <a:t>Something I am interested in</a:t>
             </a:r>
           </a:p>
@@ -6658,7 +6658,7 @@
         <p:spPr/>
         <p:txBody>
           <a:bodyPr>
-            <a:normAutofit/>
+            <a:normAutofit fontScale="92500"/>
           </a:bodyPr>
           <a:lstStyle/>
           <a:p>
@@ -6706,6 +6706,12 @@
           <a:p>
             <a:r>
               <a:rPr lang="en-US" sz="2400" dirty="0"/>
+              <a:t>Comparison with different number of Conv2D Layers</a:t>
+            </a:r>
+          </a:p>
+          <a:p>
+            <a:r>
+              <a:rPr lang="en-US" sz="2400" dirty="0"/>
               <a:t>Add optimizer</a:t>
             </a:r>
           </a:p>
@@ -6724,7 +6730,7 @@
           <a:p>
             <a:r>
               <a:rPr lang="en-US" sz="2400" dirty="0"/>
-              <a:t>Train with data &amp; validating</a:t>
+              <a:t>Train &amp; validating with data</a:t>
             </a:r>
           </a:p>
         </p:txBody>
@@ -6914,13 +6920,8 @@
           <a:p>
             <a:r>
               <a:rPr lang="en-US" sz="2800" dirty="0"/>
-              <a:t>Use the Train with my data, validating </a:t>
-            </a:r>
-            <a:r>
-              <a:rPr lang="en-US" sz="2800"/>
-              <a:t>&amp; testing</a:t>
-            </a:r>
-            <a:endParaRPr lang="en-US" sz="2800" dirty="0"/>
+              <a:t>Use with my data to train the model, validating &amp; testing</a:t>
+            </a:r>
           </a:p>
         </p:txBody>
       </p:sp>

--- a/project.pptx
+++ b/project.pptx
@@ -6524,16 +6524,6 @@
           </a:p>
           <a:p>
             <a:r>
-              <a:rPr lang="en-US" dirty="0" err="1"/>
-              <a:t>ImageDataGenerator</a:t>
-            </a:r>
-            <a:r>
-              <a:rPr lang="en-US" dirty="0"/>
-              <a:t> flow: batch size 32</a:t>
-            </a:r>
-          </a:p>
-          <a:p>
-            <a:r>
               <a:rPr lang="en-US" dirty="0"/>
               <a:t>Example Image: 										</a:t>
             </a:r>
@@ -6573,7 +6563,7 @@
         </p:blipFill>
         <p:spPr>
           <a:xfrm>
-            <a:off x="3397752" y="4433852"/>
+            <a:off x="3416414" y="3973542"/>
             <a:ext cx="3651311" cy="2081247"/>
           </a:xfrm>
           <a:prstGeom prst="rect">
@@ -6634,7 +6624,7 @@
           <a:p>
             <a:r>
               <a:rPr lang="en-US" dirty="0"/>
-              <a:t>My training implementation</a:t>
+              <a:t>Model Implementation</a:t>
             </a:r>
           </a:p>
         </p:txBody>
@@ -6658,7 +6648,7 @@
         <p:spPr/>
         <p:txBody>
           <a:bodyPr>
-            <a:normAutofit fontScale="92500"/>
+            <a:normAutofit/>
           </a:bodyPr>
           <a:lstStyle/>
           <a:p>
@@ -6718,19 +6708,13 @@
           <a:p>
             <a:r>
               <a:rPr lang="en-US" sz="2400" dirty="0"/>
-              <a:t>Experiment with different number of layers</a:t>
+              <a:t>FC layers for input and output</a:t>
             </a:r>
           </a:p>
           <a:p>
             <a:r>
               <a:rPr lang="en-US" sz="2400" dirty="0"/>
-              <a:t>FC layers for input and output</a:t>
-            </a:r>
-          </a:p>
-          <a:p>
-            <a:r>
-              <a:rPr lang="en-US" sz="2400" dirty="0"/>
-              <a:t>Train &amp; validating with data</a:t>
+              <a:t>Train &amp; validate with data</a:t>
             </a:r>
           </a:p>
         </p:txBody>
@@ -6878,7 +6862,7 @@
           <a:p>
             <a:r>
               <a:rPr lang="en-US" dirty="0"/>
-              <a:t>Learning online model</a:t>
+              <a:t>New Existing Model</a:t>
             </a:r>
           </a:p>
         </p:txBody>
@@ -7204,7 +7188,7 @@
           <a:p>
             <a:r>
               <a:rPr lang="en-US" dirty="0"/>
-              <a:t>Difficulties/Future Improvements</a:t>
+              <a:t>Difficulties</a:t>
             </a:r>
           </a:p>
         </p:txBody>
@@ -7240,19 +7224,7 @@
           <a:p>
             <a:r>
               <a:rPr lang="en-US" sz="2400" dirty="0"/>
-              <a:t>Dataset is relatively old</a:t>
-            </a:r>
-          </a:p>
-          <a:p>
-            <a:r>
-              <a:rPr lang="en-US" sz="2400" dirty="0"/>
-              <a:t>Not enough time</a:t>
-            </a:r>
-          </a:p>
-          <a:p>
-            <a:r>
-              <a:rPr lang="en-US" sz="2400" dirty="0"/>
-              <a:t>Technical difficulty with multithread fitting (generator not thread safe) – slow fitting</a:t>
+              <a:t>Generally difficult dataset to train</a:t>
             </a:r>
           </a:p>
         </p:txBody>
